--- a/Presentation Draft .pptx
+++ b/Presentation Draft .pptx
@@ -5,19 +5,20 @@
     <p:sldMasterId id="2147483648" r:id="rId1"/>
   </p:sldMasterIdLst>
   <p:notesMasterIdLst>
-    <p:notesMasterId r:id="rId12"/>
+    <p:notesMasterId r:id="rId13"/>
   </p:notesMasterIdLst>
   <p:sldIdLst>
     <p:sldId id="259" r:id="rId2"/>
-    <p:sldId id="461" r:id="rId3"/>
-    <p:sldId id="459" r:id="rId4"/>
-    <p:sldId id="462" r:id="rId5"/>
-    <p:sldId id="463" r:id="rId6"/>
-    <p:sldId id="464" r:id="rId7"/>
-    <p:sldId id="465" r:id="rId8"/>
-    <p:sldId id="466" r:id="rId9"/>
-    <p:sldId id="467" r:id="rId10"/>
-    <p:sldId id="460" r:id="rId11"/>
+    <p:sldId id="468" r:id="rId3"/>
+    <p:sldId id="461" r:id="rId4"/>
+    <p:sldId id="459" r:id="rId5"/>
+    <p:sldId id="462" r:id="rId6"/>
+    <p:sldId id="463" r:id="rId7"/>
+    <p:sldId id="464" r:id="rId8"/>
+    <p:sldId id="465" r:id="rId9"/>
+    <p:sldId id="466" r:id="rId10"/>
+    <p:sldId id="467" r:id="rId11"/>
+    <p:sldId id="460" r:id="rId12"/>
   </p:sldIdLst>
   <p:sldSz cx="9144000" cy="6858000" type="screen4x3"/>
   <p:notesSz cx="6858000" cy="9144000"/>
@@ -1009,7 +1010,7 @@
             <a:fld id="{70AFC0F5-C173-9E4C-B3C4-DAA8B8E074F9}" type="slidenum">
               <a:rPr lang="de-DE" smtClean="0"/>
               <a:pPr/>
-              <a:t>5</a:t>
+              <a:t>6</a:t>
             </a:fld>
             <a:endParaRPr lang="de-DE"/>
           </a:p>
@@ -1217,7 +1218,7 @@
             <a:fld id="{70AFC0F5-C173-9E4C-B3C4-DAA8B8E074F9}" type="slidenum">
               <a:rPr lang="de-DE" smtClean="0"/>
               <a:pPr/>
-              <a:t>8</a:t>
+              <a:t>9</a:t>
             </a:fld>
             <a:endParaRPr lang="de-DE"/>
           </a:p>
@@ -5357,6 +5358,473 @@
   <p:cSld>
     <p:spTree>
       <p:nvGrpSpPr>
+        <p:cNvPr id="1" name="">
+          <a:extLst>
+            <a:ext uri="{FF2B5EF4-FFF2-40B4-BE49-F238E27FC236}">
+              <a16:creationId xmlns:a16="http://schemas.microsoft.com/office/drawing/2014/main" id="{65BCC1C6-D96B-2FF6-0725-CA4D99DD3442}"/>
+            </a:ext>
+          </a:extLst>
+        </p:cNvPr>
+        <p:cNvGrpSpPr/>
+        <p:nvPr/>
+      </p:nvGrpSpPr>
+      <p:grpSpPr>
+        <a:xfrm>
+          <a:off x="0" y="0"/>
+          <a:ext cx="0" cy="0"/>
+          <a:chOff x="0" y="0"/>
+          <a:chExt cx="0" cy="0"/>
+        </a:xfrm>
+      </p:grpSpPr>
+      <p:sp>
+        <p:nvSpPr>
+          <p:cNvPr id="582658" name="Rectangle 2">
+            <a:extLst>
+              <a:ext uri="{FF2B5EF4-FFF2-40B4-BE49-F238E27FC236}">
+                <a16:creationId xmlns:a16="http://schemas.microsoft.com/office/drawing/2014/main" id="{40DB4FD9-BC54-8133-C876-69F68F769ABD}"/>
+              </a:ext>
+            </a:extLst>
+          </p:cNvPr>
+          <p:cNvSpPr>
+            <a:spLocks noGrp="1" noChangeArrowheads="1"/>
+          </p:cNvSpPr>
+          <p:nvPr>
+            <p:ph type="title"/>
+          </p:nvPr>
+        </p:nvSpPr>
+        <p:spPr/>
+        <p:txBody>
+          <a:bodyPr/>
+          <a:lstStyle/>
+          <a:p>
+            <a:r>
+              <a:rPr lang="de-DE" dirty="0"/>
+              <a:t>Summary </a:t>
+            </a:r>
+            <a:r>
+              <a:rPr lang="de-DE" dirty="0" err="1"/>
+              <a:t>of</a:t>
+            </a:r>
+            <a:r>
+              <a:rPr lang="de-DE" dirty="0"/>
+              <a:t> </a:t>
+            </a:r>
+            <a:r>
+              <a:rPr lang="de-DE" dirty="0" err="1"/>
+              <a:t>Results</a:t>
+            </a:r>
+            <a:r>
+              <a:rPr lang="de-DE" dirty="0"/>
+              <a:t> </a:t>
+            </a:r>
+          </a:p>
+        </p:txBody>
+      </p:sp>
+      <p:sp>
+        <p:nvSpPr>
+          <p:cNvPr id="582659" name="Rectangle 3">
+            <a:extLst>
+              <a:ext uri="{FF2B5EF4-FFF2-40B4-BE49-F238E27FC236}">
+                <a16:creationId xmlns:a16="http://schemas.microsoft.com/office/drawing/2014/main" id="{0AE077E3-9972-48A5-DA4C-A43F510CD955}"/>
+              </a:ext>
+            </a:extLst>
+          </p:cNvPr>
+          <p:cNvSpPr>
+            <a:spLocks noGrp="1" noChangeArrowheads="1"/>
+          </p:cNvSpPr>
+          <p:nvPr>
+            <p:ph type="body" idx="1"/>
+          </p:nvPr>
+        </p:nvSpPr>
+        <p:spPr/>
+        <p:txBody>
+          <a:bodyPr/>
+          <a:lstStyle/>
+          <a:p>
+            <a:r>
+              <a:rPr lang="de-DE" dirty="0"/>
+              <a:t>• </a:t>
+            </a:r>
+            <a:r>
+              <a:rPr lang="de-DE" dirty="0" err="1"/>
+              <a:t>Disaster</a:t>
+            </a:r>
+            <a:r>
+              <a:rPr lang="de-DE" dirty="0"/>
+              <a:t> </a:t>
+            </a:r>
+            <a:r>
+              <a:rPr lang="de-DE" dirty="0" err="1"/>
+              <a:t>attention</a:t>
+            </a:r>
+            <a:r>
+              <a:rPr lang="de-DE" dirty="0"/>
+              <a:t> </a:t>
+            </a:r>
+            <a:r>
+              <a:rPr lang="de-DE" dirty="0" err="1"/>
+              <a:t>predicts</a:t>
+            </a:r>
+            <a:r>
+              <a:rPr lang="de-DE" dirty="0"/>
+              <a:t> </a:t>
+            </a:r>
+            <a:r>
+              <a:rPr lang="de-DE" dirty="0" err="1"/>
+              <a:t>returns</a:t>
+            </a:r>
+            <a:r>
+              <a:rPr lang="de-DE" dirty="0"/>
+              <a:t> in-sample, </a:t>
+            </a:r>
+            <a:r>
+              <a:rPr lang="de-DE" dirty="0" err="1"/>
+              <a:t>especially</a:t>
+            </a:r>
+            <a:r>
+              <a:rPr lang="de-DE" dirty="0"/>
+              <a:t> </a:t>
+            </a:r>
+            <a:r>
+              <a:rPr lang="de-DE" dirty="0" err="1"/>
+              <a:t>for</a:t>
+            </a:r>
+            <a:r>
+              <a:rPr lang="de-DE" dirty="0"/>
+              <a:t> </a:t>
+            </a:r>
+            <a:r>
+              <a:rPr lang="de-DE" dirty="0" err="1"/>
+              <a:t>Pandemic</a:t>
+            </a:r>
+            <a:r>
+              <a:rPr lang="de-DE" dirty="0"/>
+              <a:t> &amp; Boycott.</a:t>
+            </a:r>
+          </a:p>
+          <a:p>
+            <a:r>
+              <a:rPr lang="de-DE" dirty="0"/>
+              <a:t>• OOS </a:t>
+            </a:r>
+            <a:r>
+              <a:rPr lang="de-DE" dirty="0" err="1"/>
+              <a:t>forecasts</a:t>
+            </a:r>
+            <a:r>
+              <a:rPr lang="de-DE" dirty="0"/>
+              <a:t> </a:t>
+            </a:r>
+            <a:r>
+              <a:rPr lang="de-DE" dirty="0" err="1"/>
+              <a:t>show</a:t>
+            </a:r>
+            <a:r>
+              <a:rPr lang="de-DE" dirty="0"/>
+              <a:t> </a:t>
+            </a:r>
+            <a:r>
+              <a:rPr lang="de-DE" dirty="0" err="1"/>
+              <a:t>weak</a:t>
+            </a:r>
+            <a:r>
+              <a:rPr lang="de-DE" dirty="0"/>
+              <a:t> </a:t>
+            </a:r>
+            <a:r>
+              <a:rPr lang="de-DE" dirty="0" err="1"/>
+              <a:t>performance</a:t>
+            </a:r>
+            <a:r>
+              <a:rPr lang="de-DE" dirty="0"/>
+              <a:t> — </a:t>
+            </a:r>
+            <a:r>
+              <a:rPr lang="de-DE" dirty="0" err="1"/>
+              <a:t>confirm</a:t>
+            </a:r>
+            <a:r>
+              <a:rPr lang="de-DE" dirty="0"/>
+              <a:t> </a:t>
+            </a:r>
+            <a:r>
+              <a:rPr lang="de-DE" dirty="0" err="1"/>
+              <a:t>limits</a:t>
+            </a:r>
+            <a:r>
+              <a:rPr lang="de-DE" dirty="0"/>
+              <a:t> </a:t>
+            </a:r>
+            <a:r>
+              <a:rPr lang="de-DE" dirty="0" err="1"/>
+              <a:t>noted</a:t>
+            </a:r>
+            <a:r>
+              <a:rPr lang="de-DE" dirty="0"/>
+              <a:t> in Hirshleifer et al. (2024.</a:t>
+            </a:r>
+          </a:p>
+          <a:p>
+            <a:r>
+              <a:rPr lang="de-DE" dirty="0"/>
+              <a:t>• Google Trends </a:t>
+            </a:r>
+            <a:r>
+              <a:rPr lang="de-DE" dirty="0" err="1"/>
+              <a:t>offers</a:t>
+            </a:r>
+            <a:r>
+              <a:rPr lang="de-DE" dirty="0"/>
+              <a:t> </a:t>
+            </a:r>
+            <a:r>
+              <a:rPr lang="de-DE" dirty="0" err="1"/>
+              <a:t>complementary</a:t>
+            </a:r>
+            <a:r>
+              <a:rPr lang="de-DE" dirty="0"/>
+              <a:t> but </a:t>
+            </a:r>
+            <a:r>
+              <a:rPr lang="de-DE" dirty="0" err="1"/>
+              <a:t>topic-dependent</a:t>
+            </a:r>
+            <a:r>
+              <a:rPr lang="de-DE" dirty="0"/>
+              <a:t> </a:t>
+            </a:r>
+            <a:r>
+              <a:rPr lang="de-DE" dirty="0" err="1"/>
+              <a:t>signal</a:t>
+            </a:r>
+            <a:r>
+              <a:rPr lang="de-DE" dirty="0"/>
+              <a:t> </a:t>
+            </a:r>
+            <a:r>
+              <a:rPr lang="de-DE" dirty="0" err="1"/>
+              <a:t>strength</a:t>
+            </a:r>
+            <a:r>
+              <a:rPr lang="de-DE" dirty="0"/>
+              <a:t>.</a:t>
+            </a:r>
+          </a:p>
+          <a:p>
+            <a:endParaRPr lang="de-DE" dirty="0"/>
+          </a:p>
+          <a:p>
+            <a:endParaRPr lang="de-DE" dirty="0"/>
+          </a:p>
+          <a:p>
+            <a:endParaRPr lang="de-DE" dirty="0"/>
+          </a:p>
+          <a:p>
+            <a:endParaRPr lang="de-DE" dirty="0"/>
+          </a:p>
+          <a:p>
+            <a:r>
+              <a:rPr lang="de-DE" dirty="0"/>
+              <a:t>• Replication </a:t>
+            </a:r>
+            <a:r>
+              <a:rPr lang="de-DE" dirty="0" err="1"/>
+              <a:t>validates</a:t>
+            </a:r>
+            <a:r>
+              <a:rPr lang="de-DE" dirty="0"/>
+              <a:t> </a:t>
+            </a:r>
+            <a:r>
+              <a:rPr lang="de-DE" dirty="0" err="1"/>
+              <a:t>parts</a:t>
+            </a:r>
+            <a:r>
+              <a:rPr lang="de-DE" dirty="0"/>
+              <a:t> </a:t>
+            </a:r>
+            <a:r>
+              <a:rPr lang="de-DE" dirty="0" err="1"/>
+              <a:t>of</a:t>
+            </a:r>
+            <a:r>
+              <a:rPr lang="de-DE" dirty="0"/>
+              <a:t> </a:t>
+            </a:r>
+            <a:r>
+              <a:rPr lang="de-DE" dirty="0" err="1"/>
+              <a:t>the</a:t>
+            </a:r>
+            <a:r>
+              <a:rPr lang="de-DE" dirty="0"/>
+              <a:t> '</a:t>
+            </a:r>
+            <a:r>
+              <a:rPr lang="de-DE" dirty="0" err="1"/>
+              <a:t>disaster</a:t>
+            </a:r>
+            <a:r>
+              <a:rPr lang="de-DE" dirty="0"/>
+              <a:t> premium' </a:t>
+            </a:r>
+            <a:r>
+              <a:rPr lang="de-DE" dirty="0" err="1"/>
+              <a:t>hypothesis</a:t>
+            </a:r>
+            <a:r>
+              <a:rPr lang="de-DE" dirty="0"/>
+              <a:t>.</a:t>
+            </a:r>
+          </a:p>
+          <a:p>
+            <a:r>
+              <a:rPr lang="de-DE" dirty="0"/>
+              <a:t>• </a:t>
+            </a:r>
+            <a:r>
+              <a:rPr lang="de-DE" dirty="0" err="1"/>
+              <a:t>Extensions</a:t>
+            </a:r>
+            <a:r>
+              <a:rPr lang="de-DE" dirty="0"/>
+              <a:t> </a:t>
+            </a:r>
+            <a:r>
+              <a:rPr lang="de-DE" dirty="0" err="1"/>
+              <a:t>show</a:t>
+            </a:r>
+            <a:r>
+              <a:rPr lang="de-DE" dirty="0"/>
+              <a:t> narrative </a:t>
+            </a:r>
+            <a:r>
+              <a:rPr lang="de-DE" dirty="0" err="1"/>
+              <a:t>effects</a:t>
+            </a:r>
+            <a:r>
+              <a:rPr lang="de-DE" dirty="0"/>
+              <a:t> </a:t>
+            </a:r>
+            <a:r>
+              <a:rPr lang="de-DE" dirty="0" err="1"/>
+              <a:t>vary</a:t>
+            </a:r>
+            <a:r>
+              <a:rPr lang="de-DE" dirty="0"/>
+              <a:t> </a:t>
+            </a:r>
+            <a:r>
+              <a:rPr lang="de-DE" dirty="0" err="1"/>
+              <a:t>over</a:t>
+            </a:r>
+            <a:r>
+              <a:rPr lang="de-DE" dirty="0"/>
+              <a:t> time and </a:t>
+            </a:r>
+            <a:r>
+              <a:rPr lang="de-DE" dirty="0" err="1"/>
+              <a:t>platforms</a:t>
+            </a:r>
+            <a:r>
+              <a:rPr lang="de-DE" dirty="0"/>
+              <a:t>.</a:t>
+            </a:r>
+          </a:p>
+          <a:p>
+            <a:r>
+              <a:rPr lang="de-DE" dirty="0"/>
+              <a:t>• Future </a:t>
+            </a:r>
+            <a:r>
+              <a:rPr lang="de-DE" dirty="0" err="1"/>
+              <a:t>work</a:t>
+            </a:r>
+            <a:r>
+              <a:rPr lang="de-DE" dirty="0"/>
+              <a:t>: Combine </a:t>
+            </a:r>
+            <a:r>
+              <a:rPr lang="de-DE" dirty="0" err="1"/>
+              <a:t>signals</a:t>
+            </a:r>
+            <a:r>
+              <a:rPr lang="de-DE" dirty="0"/>
+              <a:t>, </a:t>
+            </a:r>
+            <a:r>
+              <a:rPr lang="de-DE" dirty="0" err="1"/>
+              <a:t>apply</a:t>
+            </a:r>
+            <a:r>
+              <a:rPr lang="de-DE" dirty="0"/>
+              <a:t> multivariate </a:t>
+            </a:r>
+            <a:r>
+              <a:rPr lang="de-DE" dirty="0" err="1"/>
+              <a:t>models</a:t>
+            </a:r>
+            <a:r>
+              <a:rPr lang="de-DE" dirty="0"/>
+              <a:t>, </a:t>
+            </a:r>
+            <a:r>
+              <a:rPr lang="de-DE" dirty="0" err="1"/>
+              <a:t>expand</a:t>
+            </a:r>
+            <a:r>
+              <a:rPr lang="de-DE" dirty="0"/>
+              <a:t> </a:t>
+            </a:r>
+            <a:r>
+              <a:rPr lang="de-DE" dirty="0" err="1"/>
+              <a:t>to</a:t>
+            </a:r>
+            <a:r>
+              <a:rPr lang="de-DE" dirty="0"/>
+              <a:t> global </a:t>
+            </a:r>
+            <a:r>
+              <a:rPr lang="de-DE" dirty="0" err="1"/>
+              <a:t>data</a:t>
+            </a:r>
+            <a:r>
+              <a:rPr lang="de-DE" dirty="0"/>
+              <a:t>.</a:t>
+            </a:r>
+          </a:p>
+          <a:p>
+            <a:endParaRPr lang="de-DE" dirty="0"/>
+          </a:p>
+          <a:p>
+            <a:pPr>
+              <a:buFont typeface="Arial" panose="020B0604020202020204" pitchFamily="34" charset="0"/>
+              <a:buChar char="•"/>
+            </a:pPr>
+            <a:endParaRPr lang="de-DE" dirty="0"/>
+          </a:p>
+        </p:txBody>
+      </p:sp>
+    </p:spTree>
+    <p:extLst>
+      <p:ext uri="{BB962C8B-B14F-4D97-AF65-F5344CB8AC3E}">
+        <p14:creationId xmlns:p14="http://schemas.microsoft.com/office/powerpoint/2010/main" val="3358587149"/>
+      </p:ext>
+    </p:extLst>
+  </p:cSld>
+  <p:clrMapOvr>
+    <a:masterClrMapping/>
+  </p:clrMapOvr>
+  <p:transition>
+    <p:dissolve/>
+  </p:transition>
+</p:sld>
+</file>
+
+<file path=ppt/slides/slide11.xml><?xml version="1.0" encoding="utf-8"?>
+<p:sld xmlns:a="http://schemas.openxmlformats.org/drawingml/2006/main" xmlns:r="http://schemas.openxmlformats.org/officeDocument/2006/relationships" xmlns:p="http://schemas.openxmlformats.org/presentationml/2006/main">
+  <p:cSld>
+    <p:spTree>
+      <p:nvGrpSpPr>
         <p:cNvPr id="1" name=""/>
         <p:cNvGrpSpPr/>
         <p:nvPr/>
@@ -10405,13 +10873,7 @@
   <p:cSld>
     <p:spTree>
       <p:nvGrpSpPr>
-        <p:cNvPr id="1" name="">
-          <a:extLst>
-            <a:ext uri="{FF2B5EF4-FFF2-40B4-BE49-F238E27FC236}">
-              <a16:creationId xmlns:a16="http://schemas.microsoft.com/office/drawing/2014/main" id="{60A440A3-8892-76A8-3E50-9978D98A94B0}"/>
-            </a:ext>
-          </a:extLst>
-        </p:cNvPr>
+        <p:cNvPr id="1" name=""/>
         <p:cNvGrpSpPr/>
         <p:nvPr/>
       </p:nvGrpSpPr>
@@ -10425,15 +10887,15 @@
       </p:grpSpPr>
       <p:sp>
         <p:nvSpPr>
-          <p:cNvPr id="582658" name="Rectangle 2">
+          <p:cNvPr id="2" name="Titel 1">
             <a:extLst>
               <a:ext uri="{FF2B5EF4-FFF2-40B4-BE49-F238E27FC236}">
-                <a16:creationId xmlns:a16="http://schemas.microsoft.com/office/drawing/2014/main" id="{11116F57-4B5E-2573-4A73-184F622630FB}"/>
+                <a16:creationId xmlns:a16="http://schemas.microsoft.com/office/drawing/2014/main" id="{4C3EF860-5A60-749B-9EF5-F5F8C0016B15}"/>
               </a:ext>
             </a:extLst>
           </p:cNvPr>
           <p:cNvSpPr>
-            <a:spLocks noGrp="1" noChangeArrowheads="1"/>
+            <a:spLocks noGrp="1"/>
           </p:cNvSpPr>
           <p:nvPr>
             <p:ph type="title"/>
@@ -10445,26 +10907,30 @@
           <a:lstStyle/>
           <a:p>
             <a:r>
-              <a:rPr lang="de-DE" dirty="0"/>
-              <a:t>Motivation &amp; Background</a:t>
-            </a:r>
-          </a:p>
-        </p:txBody>
-      </p:sp>
-      <p:sp>
-        <p:nvSpPr>
-          <p:cNvPr id="582659" name="Rectangle 3">
+              <a:rPr lang="de-DE" dirty="0" err="1"/>
+              <a:t>Overview</a:t>
+            </a:r>
+            <a:r>
+              <a:rPr lang="de-DE" dirty="0"/>
+              <a:t> </a:t>
+            </a:r>
+          </a:p>
+        </p:txBody>
+      </p:sp>
+      <p:sp>
+        <p:nvSpPr>
+          <p:cNvPr id="3" name="Inhaltsplatzhalter 2">
             <a:extLst>
               <a:ext uri="{FF2B5EF4-FFF2-40B4-BE49-F238E27FC236}">
-                <a16:creationId xmlns:a16="http://schemas.microsoft.com/office/drawing/2014/main" id="{8A03F6C7-868B-5D19-DD6F-E06ABDEA5684}"/>
+                <a16:creationId xmlns:a16="http://schemas.microsoft.com/office/drawing/2014/main" id="{D817AB8A-0B8A-6A07-1DEE-35D10C0AF358}"/>
               </a:ext>
             </a:extLst>
           </p:cNvPr>
           <p:cNvSpPr>
-            <a:spLocks noGrp="1" noChangeArrowheads="1"/>
+            <a:spLocks noGrp="1"/>
           </p:cNvSpPr>
           <p:nvPr>
-            <p:ph type="body" idx="1"/>
+            <p:ph idx="1"/>
           </p:nvPr>
         </p:nvSpPr>
         <p:spPr/>
@@ -10472,281 +10938,14 @@
           <a:bodyPr/>
           <a:lstStyle/>
           <a:p>
-            <a:pPr>
-              <a:buFont typeface="Arial" panose="020B0604020202020204" pitchFamily="34" charset="0"/>
-              <a:buChar char="•"/>
-            </a:pPr>
-            <a:r>
-              <a:rPr lang="de-DE" dirty="0"/>
-              <a:t>Rare </a:t>
-            </a:r>
-            <a:r>
-              <a:rPr lang="de-DE" dirty="0" err="1"/>
-              <a:t>disaster</a:t>
-            </a:r>
-            <a:r>
-              <a:rPr lang="de-DE" dirty="0"/>
-              <a:t> </a:t>
-            </a:r>
-            <a:r>
-              <a:rPr lang="de-DE" dirty="0" err="1"/>
-              <a:t>risks</a:t>
-            </a:r>
-            <a:r>
-              <a:rPr lang="de-DE" dirty="0"/>
-              <a:t> (war, </a:t>
-            </a:r>
-            <a:r>
-              <a:rPr lang="de-DE" dirty="0" err="1"/>
-              <a:t>pandemics</a:t>
-            </a:r>
-            <a:r>
-              <a:rPr lang="de-DE" dirty="0"/>
-              <a:t>) </a:t>
-            </a:r>
-            <a:r>
-              <a:rPr lang="de-DE" dirty="0" err="1"/>
-              <a:t>increasingly</a:t>
-            </a:r>
-            <a:r>
-              <a:rPr lang="de-DE" dirty="0"/>
-              <a:t> </a:t>
-            </a:r>
-            <a:r>
-              <a:rPr lang="de-DE" dirty="0" err="1"/>
-              <a:t>shape</a:t>
-            </a:r>
-            <a:r>
-              <a:rPr lang="de-DE" dirty="0"/>
-              <a:t> </a:t>
-            </a:r>
-            <a:r>
-              <a:rPr lang="de-DE" dirty="0" err="1"/>
-              <a:t>financial</a:t>
-            </a:r>
-            <a:r>
-              <a:rPr lang="de-DE" dirty="0"/>
-              <a:t> </a:t>
-            </a:r>
-            <a:r>
-              <a:rPr lang="de-DE" dirty="0" err="1"/>
-              <a:t>markets</a:t>
-            </a:r>
-            <a:r>
-              <a:rPr lang="de-DE" dirty="0"/>
-              <a:t>. </a:t>
-            </a:r>
-          </a:p>
-          <a:p>
-            <a:pPr>
-              <a:buFont typeface="Arial" panose="020B0604020202020204" pitchFamily="34" charset="0"/>
-              <a:buChar char="•"/>
-            </a:pPr>
-            <a:r>
-              <a:rPr lang="de-DE" dirty="0"/>
-              <a:t>Narrative </a:t>
-            </a:r>
-            <a:r>
-              <a:rPr lang="de-DE" dirty="0" err="1"/>
-              <a:t>finance</a:t>
-            </a:r>
-            <a:r>
-              <a:rPr lang="de-DE" dirty="0"/>
-              <a:t>: Market beliefs </a:t>
-            </a:r>
-            <a:r>
-              <a:rPr lang="de-DE" dirty="0" err="1"/>
-              <a:t>are</a:t>
-            </a:r>
-            <a:r>
-              <a:rPr lang="de-DE" dirty="0"/>
-              <a:t> </a:t>
-            </a:r>
-            <a:r>
-              <a:rPr lang="de-DE" dirty="0" err="1"/>
-              <a:t>influenced</a:t>
-            </a:r>
-            <a:r>
-              <a:rPr lang="de-DE" dirty="0"/>
-              <a:t> </a:t>
-            </a:r>
-            <a:r>
-              <a:rPr lang="de-DE" dirty="0" err="1"/>
-              <a:t>by</a:t>
-            </a:r>
-            <a:r>
-              <a:rPr lang="de-DE" dirty="0"/>
-              <a:t> </a:t>
-            </a:r>
-            <a:r>
-              <a:rPr lang="de-DE" dirty="0" err="1"/>
-              <a:t>prevailing</a:t>
-            </a:r>
-            <a:r>
-              <a:rPr lang="de-DE" dirty="0"/>
-              <a:t> </a:t>
-            </a:r>
-            <a:r>
-              <a:rPr lang="de-DE" dirty="0" err="1"/>
-              <a:t>public</a:t>
-            </a:r>
-            <a:r>
-              <a:rPr lang="de-DE" dirty="0"/>
-              <a:t> </a:t>
-            </a:r>
-            <a:r>
-              <a:rPr lang="de-DE" dirty="0" err="1"/>
-              <a:t>disourse</a:t>
-            </a:r>
-            <a:r>
-              <a:rPr lang="de-DE" dirty="0"/>
-              <a:t>. </a:t>
-            </a:r>
-          </a:p>
-          <a:p>
-            <a:pPr>
-              <a:buFont typeface="Arial" panose="020B0604020202020204" pitchFamily="34" charset="0"/>
-              <a:buChar char="•"/>
-            </a:pPr>
-            <a:r>
-              <a:rPr lang="de-DE" dirty="0"/>
-              <a:t>In „War </a:t>
-            </a:r>
-            <a:r>
-              <a:rPr lang="de-DE" dirty="0" err="1"/>
-              <a:t>Discourse</a:t>
-            </a:r>
-            <a:r>
-              <a:rPr lang="de-DE" dirty="0"/>
-              <a:t> and </a:t>
-            </a:r>
-            <a:r>
-              <a:rPr lang="de-DE" dirty="0" err="1"/>
-              <a:t>Disaster</a:t>
-            </a:r>
-            <a:r>
-              <a:rPr lang="de-DE" dirty="0"/>
-              <a:t> Premium: 160 </a:t>
-            </a:r>
-            <a:r>
-              <a:rPr lang="de-DE" dirty="0" err="1"/>
-              <a:t>Years</a:t>
-            </a:r>
-            <a:r>
-              <a:rPr lang="de-DE" dirty="0"/>
-              <a:t> </a:t>
-            </a:r>
-            <a:r>
-              <a:rPr lang="de-DE" dirty="0" err="1"/>
-              <a:t>of</a:t>
-            </a:r>
-            <a:r>
-              <a:rPr lang="de-DE" dirty="0"/>
-              <a:t> </a:t>
-            </a:r>
-            <a:r>
-              <a:rPr lang="de-DE" dirty="0" err="1"/>
-              <a:t>Evidence</a:t>
-            </a:r>
-            <a:r>
-              <a:rPr lang="de-DE" dirty="0"/>
-              <a:t> </a:t>
-            </a:r>
-            <a:r>
-              <a:rPr lang="de-DE" dirty="0" err="1"/>
-              <a:t>from</a:t>
-            </a:r>
-            <a:r>
-              <a:rPr lang="de-DE" dirty="0"/>
-              <a:t> </a:t>
-            </a:r>
-            <a:r>
-              <a:rPr lang="de-DE" dirty="0" err="1"/>
-              <a:t>the</a:t>
-            </a:r>
-            <a:r>
-              <a:rPr lang="de-DE" dirty="0"/>
-              <a:t> Stock Market“ Hirshleifer et al. (2024) </a:t>
-            </a:r>
-            <a:r>
-              <a:rPr lang="de-DE" dirty="0" err="1"/>
-              <a:t>show</a:t>
-            </a:r>
-            <a:r>
-              <a:rPr lang="de-DE" dirty="0"/>
-              <a:t> </a:t>
-            </a:r>
-            <a:r>
-              <a:rPr lang="de-DE" dirty="0" err="1"/>
-              <a:t>that</a:t>
-            </a:r>
-            <a:r>
-              <a:rPr lang="de-DE" dirty="0"/>
-              <a:t> </a:t>
-            </a:r>
-            <a:r>
-              <a:rPr lang="de-DE" dirty="0" err="1"/>
-              <a:t>media</a:t>
-            </a:r>
-            <a:r>
-              <a:rPr lang="de-DE" dirty="0"/>
-              <a:t> </a:t>
-            </a:r>
-            <a:r>
-              <a:rPr lang="de-DE" dirty="0" err="1"/>
-              <a:t>attention</a:t>
-            </a:r>
-            <a:r>
-              <a:rPr lang="de-DE" dirty="0"/>
-              <a:t> </a:t>
-            </a:r>
-            <a:r>
-              <a:rPr lang="de-DE" dirty="0" err="1"/>
-              <a:t>to</a:t>
-            </a:r>
-            <a:r>
-              <a:rPr lang="de-DE" dirty="0"/>
-              <a:t> </a:t>
-            </a:r>
-            <a:r>
-              <a:rPr lang="de-DE" dirty="0" err="1"/>
-              <a:t>disasterts</a:t>
-            </a:r>
-            <a:r>
-              <a:rPr lang="de-DE" dirty="0"/>
-              <a:t> </a:t>
-            </a:r>
-            <a:r>
-              <a:rPr lang="de-DE" dirty="0" err="1"/>
-              <a:t>forecasts</a:t>
-            </a:r>
-            <a:r>
-              <a:rPr lang="de-DE" dirty="0"/>
-              <a:t> </a:t>
-            </a:r>
-            <a:r>
-              <a:rPr lang="de-DE" dirty="0" err="1"/>
-              <a:t>equity</a:t>
-            </a:r>
-            <a:r>
-              <a:rPr lang="de-DE" dirty="0"/>
-              <a:t> </a:t>
-            </a:r>
-            <a:r>
-              <a:rPr lang="de-DE" dirty="0" err="1"/>
-              <a:t>premiums</a:t>
-            </a:r>
-            <a:r>
-              <a:rPr lang="de-DE" dirty="0"/>
-              <a:t>. </a:t>
-            </a:r>
+            <a:endParaRPr lang="de-DE" dirty="0"/>
           </a:p>
         </p:txBody>
       </p:sp>
     </p:spTree>
     <p:extLst>
       <p:ext uri="{BB962C8B-B14F-4D97-AF65-F5344CB8AC3E}">
-        <p14:creationId xmlns:p14="http://schemas.microsoft.com/office/powerpoint/2010/main" val="4219633730"/>
+        <p14:creationId xmlns:p14="http://schemas.microsoft.com/office/powerpoint/2010/main" val="668356487"/>
       </p:ext>
     </p:extLst>
   </p:cSld>
@@ -10764,6 +10963,365 @@
   <p:cSld>
     <p:spTree>
       <p:nvGrpSpPr>
+        <p:cNvPr id="1" name="">
+          <a:extLst>
+            <a:ext uri="{FF2B5EF4-FFF2-40B4-BE49-F238E27FC236}">
+              <a16:creationId xmlns:a16="http://schemas.microsoft.com/office/drawing/2014/main" id="{60A440A3-8892-76A8-3E50-9978D98A94B0}"/>
+            </a:ext>
+          </a:extLst>
+        </p:cNvPr>
+        <p:cNvGrpSpPr/>
+        <p:nvPr/>
+      </p:nvGrpSpPr>
+      <p:grpSpPr>
+        <a:xfrm>
+          <a:off x="0" y="0"/>
+          <a:ext cx="0" cy="0"/>
+          <a:chOff x="0" y="0"/>
+          <a:chExt cx="0" cy="0"/>
+        </a:xfrm>
+      </p:grpSpPr>
+      <p:sp>
+        <p:nvSpPr>
+          <p:cNvPr id="582658" name="Rectangle 2">
+            <a:extLst>
+              <a:ext uri="{FF2B5EF4-FFF2-40B4-BE49-F238E27FC236}">
+                <a16:creationId xmlns:a16="http://schemas.microsoft.com/office/drawing/2014/main" id="{11116F57-4B5E-2573-4A73-184F622630FB}"/>
+              </a:ext>
+            </a:extLst>
+          </p:cNvPr>
+          <p:cNvSpPr>
+            <a:spLocks noGrp="1" noChangeArrowheads="1"/>
+          </p:cNvSpPr>
+          <p:nvPr>
+            <p:ph type="title"/>
+          </p:nvPr>
+        </p:nvSpPr>
+        <p:spPr/>
+        <p:txBody>
+          <a:bodyPr/>
+          <a:lstStyle/>
+          <a:p>
+            <a:r>
+              <a:rPr lang="de-DE" dirty="0"/>
+              <a:t>Motivation &amp; Background</a:t>
+            </a:r>
+          </a:p>
+        </p:txBody>
+      </p:sp>
+      <p:sp>
+        <p:nvSpPr>
+          <p:cNvPr id="582659" name="Rectangle 3">
+            <a:extLst>
+              <a:ext uri="{FF2B5EF4-FFF2-40B4-BE49-F238E27FC236}">
+                <a16:creationId xmlns:a16="http://schemas.microsoft.com/office/drawing/2014/main" id="{8A03F6C7-868B-5D19-DD6F-E06ABDEA5684}"/>
+              </a:ext>
+            </a:extLst>
+          </p:cNvPr>
+          <p:cNvSpPr>
+            <a:spLocks noGrp="1" noChangeArrowheads="1"/>
+          </p:cNvSpPr>
+          <p:nvPr>
+            <p:ph type="body" idx="1"/>
+          </p:nvPr>
+        </p:nvSpPr>
+        <p:spPr/>
+        <p:txBody>
+          <a:bodyPr/>
+          <a:lstStyle/>
+          <a:p>
+            <a:pPr>
+              <a:buFont typeface="Arial" panose="020B0604020202020204" pitchFamily="34" charset="0"/>
+              <a:buChar char="•"/>
+            </a:pPr>
+            <a:r>
+              <a:rPr lang="de-DE" dirty="0"/>
+              <a:t>Rare </a:t>
+            </a:r>
+            <a:r>
+              <a:rPr lang="de-DE" dirty="0" err="1"/>
+              <a:t>disaster</a:t>
+            </a:r>
+            <a:r>
+              <a:rPr lang="de-DE" dirty="0"/>
+              <a:t> </a:t>
+            </a:r>
+            <a:r>
+              <a:rPr lang="de-DE" dirty="0" err="1"/>
+              <a:t>risks</a:t>
+            </a:r>
+            <a:r>
+              <a:rPr lang="de-DE" dirty="0"/>
+              <a:t> (war, </a:t>
+            </a:r>
+            <a:r>
+              <a:rPr lang="de-DE" dirty="0" err="1"/>
+              <a:t>pandemics</a:t>
+            </a:r>
+            <a:r>
+              <a:rPr lang="de-DE" dirty="0"/>
+              <a:t>) </a:t>
+            </a:r>
+            <a:r>
+              <a:rPr lang="de-DE" dirty="0" err="1"/>
+              <a:t>increasingly</a:t>
+            </a:r>
+            <a:r>
+              <a:rPr lang="de-DE" dirty="0"/>
+              <a:t> </a:t>
+            </a:r>
+            <a:r>
+              <a:rPr lang="de-DE" dirty="0" err="1"/>
+              <a:t>shape</a:t>
+            </a:r>
+            <a:r>
+              <a:rPr lang="de-DE" dirty="0"/>
+              <a:t> </a:t>
+            </a:r>
+            <a:r>
+              <a:rPr lang="de-DE" dirty="0" err="1"/>
+              <a:t>financial</a:t>
+            </a:r>
+            <a:r>
+              <a:rPr lang="de-DE" dirty="0"/>
+              <a:t> </a:t>
+            </a:r>
+            <a:r>
+              <a:rPr lang="de-DE" dirty="0" err="1"/>
+              <a:t>markets</a:t>
+            </a:r>
+            <a:r>
+              <a:rPr lang="de-DE" dirty="0"/>
+              <a:t>. </a:t>
+            </a:r>
+          </a:p>
+          <a:p>
+            <a:pPr>
+              <a:buFont typeface="Arial" panose="020B0604020202020204" pitchFamily="34" charset="0"/>
+              <a:buChar char="•"/>
+            </a:pPr>
+            <a:r>
+              <a:rPr lang="de-DE" dirty="0"/>
+              <a:t>Narrative </a:t>
+            </a:r>
+            <a:r>
+              <a:rPr lang="de-DE" dirty="0" err="1"/>
+              <a:t>finance</a:t>
+            </a:r>
+            <a:r>
+              <a:rPr lang="de-DE" dirty="0"/>
+              <a:t>: Market beliefs </a:t>
+            </a:r>
+            <a:r>
+              <a:rPr lang="de-DE" dirty="0" err="1"/>
+              <a:t>are</a:t>
+            </a:r>
+            <a:r>
+              <a:rPr lang="de-DE" dirty="0"/>
+              <a:t> </a:t>
+            </a:r>
+            <a:r>
+              <a:rPr lang="de-DE" dirty="0" err="1"/>
+              <a:t>influenced</a:t>
+            </a:r>
+            <a:r>
+              <a:rPr lang="de-DE" dirty="0"/>
+              <a:t> </a:t>
+            </a:r>
+            <a:r>
+              <a:rPr lang="de-DE" dirty="0" err="1"/>
+              <a:t>by</a:t>
+            </a:r>
+            <a:r>
+              <a:rPr lang="de-DE" dirty="0"/>
+              <a:t> </a:t>
+            </a:r>
+            <a:r>
+              <a:rPr lang="de-DE" dirty="0" err="1"/>
+              <a:t>prevailing</a:t>
+            </a:r>
+            <a:r>
+              <a:rPr lang="de-DE" dirty="0"/>
+              <a:t> </a:t>
+            </a:r>
+            <a:r>
+              <a:rPr lang="de-DE" dirty="0" err="1"/>
+              <a:t>public</a:t>
+            </a:r>
+            <a:r>
+              <a:rPr lang="de-DE" dirty="0"/>
+              <a:t> </a:t>
+            </a:r>
+            <a:r>
+              <a:rPr lang="de-DE" dirty="0" err="1"/>
+              <a:t>disourse</a:t>
+            </a:r>
+            <a:r>
+              <a:rPr lang="de-DE" dirty="0"/>
+              <a:t>. </a:t>
+            </a:r>
+          </a:p>
+          <a:p>
+            <a:pPr>
+              <a:buFont typeface="Arial" panose="020B0604020202020204" pitchFamily="34" charset="0"/>
+              <a:buChar char="•"/>
+            </a:pPr>
+            <a:r>
+              <a:rPr lang="de-DE" dirty="0"/>
+              <a:t>In „War </a:t>
+            </a:r>
+            <a:r>
+              <a:rPr lang="de-DE" dirty="0" err="1"/>
+              <a:t>Discourse</a:t>
+            </a:r>
+            <a:r>
+              <a:rPr lang="de-DE" dirty="0"/>
+              <a:t> and </a:t>
+            </a:r>
+            <a:r>
+              <a:rPr lang="de-DE" dirty="0" err="1"/>
+              <a:t>Disaster</a:t>
+            </a:r>
+            <a:r>
+              <a:rPr lang="de-DE" dirty="0"/>
+              <a:t> Premium: 160 </a:t>
+            </a:r>
+            <a:r>
+              <a:rPr lang="de-DE" dirty="0" err="1"/>
+              <a:t>Years</a:t>
+            </a:r>
+            <a:r>
+              <a:rPr lang="de-DE" dirty="0"/>
+              <a:t> </a:t>
+            </a:r>
+            <a:r>
+              <a:rPr lang="de-DE" dirty="0" err="1"/>
+              <a:t>of</a:t>
+            </a:r>
+            <a:r>
+              <a:rPr lang="de-DE" dirty="0"/>
+              <a:t> </a:t>
+            </a:r>
+            <a:r>
+              <a:rPr lang="de-DE" dirty="0" err="1"/>
+              <a:t>Evidence</a:t>
+            </a:r>
+            <a:r>
+              <a:rPr lang="de-DE" dirty="0"/>
+              <a:t> </a:t>
+            </a:r>
+            <a:r>
+              <a:rPr lang="de-DE" dirty="0" err="1"/>
+              <a:t>from</a:t>
+            </a:r>
+            <a:r>
+              <a:rPr lang="de-DE" dirty="0"/>
+              <a:t> </a:t>
+            </a:r>
+            <a:r>
+              <a:rPr lang="de-DE" dirty="0" err="1"/>
+              <a:t>the</a:t>
+            </a:r>
+            <a:r>
+              <a:rPr lang="de-DE" dirty="0"/>
+              <a:t> Stock Market“ Hirshleifer et al. (2024) </a:t>
+            </a:r>
+            <a:r>
+              <a:rPr lang="de-DE" dirty="0" err="1"/>
+              <a:t>show</a:t>
+            </a:r>
+            <a:r>
+              <a:rPr lang="de-DE" dirty="0"/>
+              <a:t> </a:t>
+            </a:r>
+            <a:r>
+              <a:rPr lang="de-DE" dirty="0" err="1"/>
+              <a:t>that</a:t>
+            </a:r>
+            <a:r>
+              <a:rPr lang="de-DE" dirty="0"/>
+              <a:t> </a:t>
+            </a:r>
+            <a:r>
+              <a:rPr lang="de-DE" dirty="0" err="1"/>
+              <a:t>media</a:t>
+            </a:r>
+            <a:r>
+              <a:rPr lang="de-DE" dirty="0"/>
+              <a:t> </a:t>
+            </a:r>
+            <a:r>
+              <a:rPr lang="de-DE" dirty="0" err="1"/>
+              <a:t>attention</a:t>
+            </a:r>
+            <a:r>
+              <a:rPr lang="de-DE" dirty="0"/>
+              <a:t> </a:t>
+            </a:r>
+            <a:r>
+              <a:rPr lang="de-DE" dirty="0" err="1"/>
+              <a:t>to</a:t>
+            </a:r>
+            <a:r>
+              <a:rPr lang="de-DE" dirty="0"/>
+              <a:t> </a:t>
+            </a:r>
+            <a:r>
+              <a:rPr lang="de-DE" dirty="0" err="1"/>
+              <a:t>disasters</a:t>
+            </a:r>
+            <a:r>
+              <a:rPr lang="de-DE" dirty="0"/>
+              <a:t> </a:t>
+            </a:r>
+            <a:r>
+              <a:rPr lang="de-DE" dirty="0" err="1"/>
+              <a:t>forecasts</a:t>
+            </a:r>
+            <a:r>
+              <a:rPr lang="de-DE" dirty="0"/>
+              <a:t> </a:t>
+            </a:r>
+            <a:r>
+              <a:rPr lang="de-DE" dirty="0" err="1"/>
+              <a:t>equity</a:t>
+            </a:r>
+            <a:r>
+              <a:rPr lang="de-DE" dirty="0"/>
+              <a:t> </a:t>
+            </a:r>
+            <a:r>
+              <a:rPr lang="de-DE" dirty="0" err="1"/>
+              <a:t>premiums</a:t>
+            </a:r>
+            <a:r>
+              <a:rPr lang="de-DE" dirty="0"/>
+              <a:t>. </a:t>
+            </a:r>
+          </a:p>
+        </p:txBody>
+      </p:sp>
+    </p:spTree>
+    <p:extLst>
+      <p:ext uri="{BB962C8B-B14F-4D97-AF65-F5344CB8AC3E}">
+        <p14:creationId xmlns:p14="http://schemas.microsoft.com/office/powerpoint/2010/main" val="4219633730"/>
+      </p:ext>
+    </p:extLst>
+  </p:cSld>
+  <p:clrMapOvr>
+    <a:masterClrMapping/>
+  </p:clrMapOvr>
+  <p:transition>
+    <p:dissolve/>
+  </p:transition>
+</p:sld>
+</file>
+
+<file path=ppt/slides/slide4.xml><?xml version="1.0" encoding="utf-8"?>
+<p:sld xmlns:a="http://schemas.openxmlformats.org/drawingml/2006/main" xmlns:r="http://schemas.openxmlformats.org/officeDocument/2006/relationships" xmlns:p="http://schemas.openxmlformats.org/presentationml/2006/main">
+  <p:cSld>
+    <p:spTree>
+      <p:nvGrpSpPr>
         <p:cNvPr id="1" name=""/>
         <p:cNvGrpSpPr/>
         <p:nvPr/>
@@ -11088,7 +11646,7 @@
 </p:sld>
 </file>
 
-<file path=ppt/slides/slide4.xml><?xml version="1.0" encoding="utf-8"?>
+<file path=ppt/slides/slide5.xml><?xml version="1.0" encoding="utf-8"?>
 <p:sld xmlns:a="http://schemas.openxmlformats.org/drawingml/2006/main" xmlns:r="http://schemas.openxmlformats.org/officeDocument/2006/relationships" xmlns:p="http://schemas.openxmlformats.org/presentationml/2006/main">
   <p:cSld>
     <p:spTree>
@@ -11458,7 +12016,7 @@
 </p:sld>
 </file>
 
-<file path=ppt/slides/slide5.xml><?xml version="1.0" encoding="utf-8"?>
+<file path=ppt/slides/slide6.xml><?xml version="1.0" encoding="utf-8"?>
 <p:sld xmlns:a="http://schemas.openxmlformats.org/drawingml/2006/main" xmlns:r="http://schemas.openxmlformats.org/officeDocument/2006/relationships" xmlns:p="http://schemas.openxmlformats.org/presentationml/2006/main">
   <p:cSld>
     <p:spTree>
@@ -11655,7 +12213,7 @@
 </p:sld>
 </file>
 
-<file path=ppt/slides/slide6.xml><?xml version="1.0" encoding="utf-8"?>
+<file path=ppt/slides/slide7.xml><?xml version="1.0" encoding="utf-8"?>
 <p:sld xmlns:a="http://schemas.openxmlformats.org/drawingml/2006/main" xmlns:r="http://schemas.openxmlformats.org/officeDocument/2006/relationships" xmlns:p="http://schemas.openxmlformats.org/presentationml/2006/main">
   <p:cSld>
     <p:spTree>
@@ -12088,7 +12646,7 @@
 </p:sld>
 </file>
 
-<file path=ppt/slides/slide7.xml><?xml version="1.0" encoding="utf-8"?>
+<file path=ppt/slides/slide8.xml><?xml version="1.0" encoding="utf-8"?>
 <p:sld xmlns:a="http://schemas.openxmlformats.org/drawingml/2006/main" xmlns:r="http://schemas.openxmlformats.org/officeDocument/2006/relationships" xmlns:p="http://schemas.openxmlformats.org/presentationml/2006/main">
   <p:cSld>
     <p:spTree>
@@ -12338,7 +12896,7 @@
 </p:sld>
 </file>
 
-<file path=ppt/slides/slide8.xml><?xml version="1.0" encoding="utf-8"?>
+<file path=ppt/slides/slide9.xml><?xml version="1.0" encoding="utf-8"?>
 <p:sld xmlns:a="http://schemas.openxmlformats.org/drawingml/2006/main" xmlns:r="http://schemas.openxmlformats.org/officeDocument/2006/relationships" xmlns:p="http://schemas.openxmlformats.org/presentationml/2006/main">
   <p:cSld>
     <p:spTree>
@@ -12649,473 +13207,6 @@
     <p:extLst>
       <p:ext uri="{BB962C8B-B14F-4D97-AF65-F5344CB8AC3E}">
         <p14:creationId xmlns:p14="http://schemas.microsoft.com/office/powerpoint/2010/main" val="463567286"/>
-      </p:ext>
-    </p:extLst>
-  </p:cSld>
-  <p:clrMapOvr>
-    <a:masterClrMapping/>
-  </p:clrMapOvr>
-  <p:transition>
-    <p:dissolve/>
-  </p:transition>
-</p:sld>
-</file>
-
-<file path=ppt/slides/slide9.xml><?xml version="1.0" encoding="utf-8"?>
-<p:sld xmlns:a="http://schemas.openxmlformats.org/drawingml/2006/main" xmlns:r="http://schemas.openxmlformats.org/officeDocument/2006/relationships" xmlns:p="http://schemas.openxmlformats.org/presentationml/2006/main">
-  <p:cSld>
-    <p:spTree>
-      <p:nvGrpSpPr>
-        <p:cNvPr id="1" name="">
-          <a:extLst>
-            <a:ext uri="{FF2B5EF4-FFF2-40B4-BE49-F238E27FC236}">
-              <a16:creationId xmlns:a16="http://schemas.microsoft.com/office/drawing/2014/main" id="{65BCC1C6-D96B-2FF6-0725-CA4D99DD3442}"/>
-            </a:ext>
-          </a:extLst>
-        </p:cNvPr>
-        <p:cNvGrpSpPr/>
-        <p:nvPr/>
-      </p:nvGrpSpPr>
-      <p:grpSpPr>
-        <a:xfrm>
-          <a:off x="0" y="0"/>
-          <a:ext cx="0" cy="0"/>
-          <a:chOff x="0" y="0"/>
-          <a:chExt cx="0" cy="0"/>
-        </a:xfrm>
-      </p:grpSpPr>
-      <p:sp>
-        <p:nvSpPr>
-          <p:cNvPr id="582658" name="Rectangle 2">
-            <a:extLst>
-              <a:ext uri="{FF2B5EF4-FFF2-40B4-BE49-F238E27FC236}">
-                <a16:creationId xmlns:a16="http://schemas.microsoft.com/office/drawing/2014/main" id="{40DB4FD9-BC54-8133-C876-69F68F769ABD}"/>
-              </a:ext>
-            </a:extLst>
-          </p:cNvPr>
-          <p:cNvSpPr>
-            <a:spLocks noGrp="1" noChangeArrowheads="1"/>
-          </p:cNvSpPr>
-          <p:nvPr>
-            <p:ph type="title"/>
-          </p:nvPr>
-        </p:nvSpPr>
-        <p:spPr/>
-        <p:txBody>
-          <a:bodyPr/>
-          <a:lstStyle/>
-          <a:p>
-            <a:r>
-              <a:rPr lang="de-DE" dirty="0"/>
-              <a:t>Summary </a:t>
-            </a:r>
-            <a:r>
-              <a:rPr lang="de-DE" dirty="0" err="1"/>
-              <a:t>of</a:t>
-            </a:r>
-            <a:r>
-              <a:rPr lang="de-DE" dirty="0"/>
-              <a:t> </a:t>
-            </a:r>
-            <a:r>
-              <a:rPr lang="de-DE" dirty="0" err="1"/>
-              <a:t>Results</a:t>
-            </a:r>
-            <a:r>
-              <a:rPr lang="de-DE" dirty="0"/>
-              <a:t> </a:t>
-            </a:r>
-          </a:p>
-        </p:txBody>
-      </p:sp>
-      <p:sp>
-        <p:nvSpPr>
-          <p:cNvPr id="582659" name="Rectangle 3">
-            <a:extLst>
-              <a:ext uri="{FF2B5EF4-FFF2-40B4-BE49-F238E27FC236}">
-                <a16:creationId xmlns:a16="http://schemas.microsoft.com/office/drawing/2014/main" id="{0AE077E3-9972-48A5-DA4C-A43F510CD955}"/>
-              </a:ext>
-            </a:extLst>
-          </p:cNvPr>
-          <p:cNvSpPr>
-            <a:spLocks noGrp="1" noChangeArrowheads="1"/>
-          </p:cNvSpPr>
-          <p:nvPr>
-            <p:ph type="body" idx="1"/>
-          </p:nvPr>
-        </p:nvSpPr>
-        <p:spPr/>
-        <p:txBody>
-          <a:bodyPr/>
-          <a:lstStyle/>
-          <a:p>
-            <a:r>
-              <a:rPr lang="de-DE" dirty="0"/>
-              <a:t>• </a:t>
-            </a:r>
-            <a:r>
-              <a:rPr lang="de-DE" dirty="0" err="1"/>
-              <a:t>Disaster</a:t>
-            </a:r>
-            <a:r>
-              <a:rPr lang="de-DE" dirty="0"/>
-              <a:t> </a:t>
-            </a:r>
-            <a:r>
-              <a:rPr lang="de-DE" dirty="0" err="1"/>
-              <a:t>attention</a:t>
-            </a:r>
-            <a:r>
-              <a:rPr lang="de-DE" dirty="0"/>
-              <a:t> </a:t>
-            </a:r>
-            <a:r>
-              <a:rPr lang="de-DE" dirty="0" err="1"/>
-              <a:t>predicts</a:t>
-            </a:r>
-            <a:r>
-              <a:rPr lang="de-DE" dirty="0"/>
-              <a:t> </a:t>
-            </a:r>
-            <a:r>
-              <a:rPr lang="de-DE" dirty="0" err="1"/>
-              <a:t>returns</a:t>
-            </a:r>
-            <a:r>
-              <a:rPr lang="de-DE" dirty="0"/>
-              <a:t> in-sample, </a:t>
-            </a:r>
-            <a:r>
-              <a:rPr lang="de-DE" dirty="0" err="1"/>
-              <a:t>especially</a:t>
-            </a:r>
-            <a:r>
-              <a:rPr lang="de-DE" dirty="0"/>
-              <a:t> </a:t>
-            </a:r>
-            <a:r>
-              <a:rPr lang="de-DE" dirty="0" err="1"/>
-              <a:t>for</a:t>
-            </a:r>
-            <a:r>
-              <a:rPr lang="de-DE" dirty="0"/>
-              <a:t> </a:t>
-            </a:r>
-            <a:r>
-              <a:rPr lang="de-DE" dirty="0" err="1"/>
-              <a:t>Pandemic</a:t>
-            </a:r>
-            <a:r>
-              <a:rPr lang="de-DE" dirty="0"/>
-              <a:t> &amp; Boycott.</a:t>
-            </a:r>
-          </a:p>
-          <a:p>
-            <a:r>
-              <a:rPr lang="de-DE" dirty="0"/>
-              <a:t>• OOS </a:t>
-            </a:r>
-            <a:r>
-              <a:rPr lang="de-DE" dirty="0" err="1"/>
-              <a:t>forecasts</a:t>
-            </a:r>
-            <a:r>
-              <a:rPr lang="de-DE" dirty="0"/>
-              <a:t> </a:t>
-            </a:r>
-            <a:r>
-              <a:rPr lang="de-DE" dirty="0" err="1"/>
-              <a:t>show</a:t>
-            </a:r>
-            <a:r>
-              <a:rPr lang="de-DE" dirty="0"/>
-              <a:t> </a:t>
-            </a:r>
-            <a:r>
-              <a:rPr lang="de-DE" dirty="0" err="1"/>
-              <a:t>weak</a:t>
-            </a:r>
-            <a:r>
-              <a:rPr lang="de-DE" dirty="0"/>
-              <a:t> </a:t>
-            </a:r>
-            <a:r>
-              <a:rPr lang="de-DE" dirty="0" err="1"/>
-              <a:t>performance</a:t>
-            </a:r>
-            <a:r>
-              <a:rPr lang="de-DE" dirty="0"/>
-              <a:t> — </a:t>
-            </a:r>
-            <a:r>
-              <a:rPr lang="de-DE" dirty="0" err="1"/>
-              <a:t>confirm</a:t>
-            </a:r>
-            <a:r>
-              <a:rPr lang="de-DE" dirty="0"/>
-              <a:t> </a:t>
-            </a:r>
-            <a:r>
-              <a:rPr lang="de-DE" dirty="0" err="1"/>
-              <a:t>limits</a:t>
-            </a:r>
-            <a:r>
-              <a:rPr lang="de-DE" dirty="0"/>
-              <a:t> </a:t>
-            </a:r>
-            <a:r>
-              <a:rPr lang="de-DE" dirty="0" err="1"/>
-              <a:t>noted</a:t>
-            </a:r>
-            <a:r>
-              <a:rPr lang="de-DE" dirty="0"/>
-              <a:t> in Hirshleifer et al. (2024.</a:t>
-            </a:r>
-          </a:p>
-          <a:p>
-            <a:r>
-              <a:rPr lang="de-DE" dirty="0"/>
-              <a:t>• Google Trends </a:t>
-            </a:r>
-            <a:r>
-              <a:rPr lang="de-DE" dirty="0" err="1"/>
-              <a:t>offers</a:t>
-            </a:r>
-            <a:r>
-              <a:rPr lang="de-DE" dirty="0"/>
-              <a:t> </a:t>
-            </a:r>
-            <a:r>
-              <a:rPr lang="de-DE" dirty="0" err="1"/>
-              <a:t>complementary</a:t>
-            </a:r>
-            <a:r>
-              <a:rPr lang="de-DE" dirty="0"/>
-              <a:t> but </a:t>
-            </a:r>
-            <a:r>
-              <a:rPr lang="de-DE" dirty="0" err="1"/>
-              <a:t>topic-dependent</a:t>
-            </a:r>
-            <a:r>
-              <a:rPr lang="de-DE" dirty="0"/>
-              <a:t> </a:t>
-            </a:r>
-            <a:r>
-              <a:rPr lang="de-DE" dirty="0" err="1"/>
-              <a:t>signal</a:t>
-            </a:r>
-            <a:r>
-              <a:rPr lang="de-DE" dirty="0"/>
-              <a:t> </a:t>
-            </a:r>
-            <a:r>
-              <a:rPr lang="de-DE" dirty="0" err="1"/>
-              <a:t>strength</a:t>
-            </a:r>
-            <a:r>
-              <a:rPr lang="de-DE" dirty="0"/>
-              <a:t>.</a:t>
-            </a:r>
-          </a:p>
-          <a:p>
-            <a:endParaRPr lang="de-DE" dirty="0"/>
-          </a:p>
-          <a:p>
-            <a:endParaRPr lang="de-DE" dirty="0"/>
-          </a:p>
-          <a:p>
-            <a:endParaRPr lang="de-DE" dirty="0"/>
-          </a:p>
-          <a:p>
-            <a:endParaRPr lang="de-DE" dirty="0"/>
-          </a:p>
-          <a:p>
-            <a:r>
-              <a:rPr lang="de-DE" dirty="0"/>
-              <a:t>• Replication </a:t>
-            </a:r>
-            <a:r>
-              <a:rPr lang="de-DE" dirty="0" err="1"/>
-              <a:t>validates</a:t>
-            </a:r>
-            <a:r>
-              <a:rPr lang="de-DE" dirty="0"/>
-              <a:t> </a:t>
-            </a:r>
-            <a:r>
-              <a:rPr lang="de-DE" dirty="0" err="1"/>
-              <a:t>parts</a:t>
-            </a:r>
-            <a:r>
-              <a:rPr lang="de-DE" dirty="0"/>
-              <a:t> </a:t>
-            </a:r>
-            <a:r>
-              <a:rPr lang="de-DE" dirty="0" err="1"/>
-              <a:t>of</a:t>
-            </a:r>
-            <a:r>
-              <a:rPr lang="de-DE" dirty="0"/>
-              <a:t> </a:t>
-            </a:r>
-            <a:r>
-              <a:rPr lang="de-DE" dirty="0" err="1"/>
-              <a:t>the</a:t>
-            </a:r>
-            <a:r>
-              <a:rPr lang="de-DE" dirty="0"/>
-              <a:t> '</a:t>
-            </a:r>
-            <a:r>
-              <a:rPr lang="de-DE" dirty="0" err="1"/>
-              <a:t>disaster</a:t>
-            </a:r>
-            <a:r>
-              <a:rPr lang="de-DE" dirty="0"/>
-              <a:t> premium' </a:t>
-            </a:r>
-            <a:r>
-              <a:rPr lang="de-DE" dirty="0" err="1"/>
-              <a:t>hypothesis</a:t>
-            </a:r>
-            <a:r>
-              <a:rPr lang="de-DE" dirty="0"/>
-              <a:t>.</a:t>
-            </a:r>
-          </a:p>
-          <a:p>
-            <a:r>
-              <a:rPr lang="de-DE" dirty="0"/>
-              <a:t>• </a:t>
-            </a:r>
-            <a:r>
-              <a:rPr lang="de-DE" dirty="0" err="1"/>
-              <a:t>Extensions</a:t>
-            </a:r>
-            <a:r>
-              <a:rPr lang="de-DE" dirty="0"/>
-              <a:t> </a:t>
-            </a:r>
-            <a:r>
-              <a:rPr lang="de-DE" dirty="0" err="1"/>
-              <a:t>show</a:t>
-            </a:r>
-            <a:r>
-              <a:rPr lang="de-DE" dirty="0"/>
-              <a:t> narrative </a:t>
-            </a:r>
-            <a:r>
-              <a:rPr lang="de-DE" dirty="0" err="1"/>
-              <a:t>effects</a:t>
-            </a:r>
-            <a:r>
-              <a:rPr lang="de-DE" dirty="0"/>
-              <a:t> </a:t>
-            </a:r>
-            <a:r>
-              <a:rPr lang="de-DE" dirty="0" err="1"/>
-              <a:t>vary</a:t>
-            </a:r>
-            <a:r>
-              <a:rPr lang="de-DE" dirty="0"/>
-              <a:t> </a:t>
-            </a:r>
-            <a:r>
-              <a:rPr lang="de-DE" dirty="0" err="1"/>
-              <a:t>over</a:t>
-            </a:r>
-            <a:r>
-              <a:rPr lang="de-DE" dirty="0"/>
-              <a:t> time and </a:t>
-            </a:r>
-            <a:r>
-              <a:rPr lang="de-DE" dirty="0" err="1"/>
-              <a:t>platforms</a:t>
-            </a:r>
-            <a:r>
-              <a:rPr lang="de-DE" dirty="0"/>
-              <a:t>.</a:t>
-            </a:r>
-          </a:p>
-          <a:p>
-            <a:r>
-              <a:rPr lang="de-DE" dirty="0"/>
-              <a:t>• Future </a:t>
-            </a:r>
-            <a:r>
-              <a:rPr lang="de-DE" dirty="0" err="1"/>
-              <a:t>work</a:t>
-            </a:r>
-            <a:r>
-              <a:rPr lang="de-DE" dirty="0"/>
-              <a:t>: Combine </a:t>
-            </a:r>
-            <a:r>
-              <a:rPr lang="de-DE" dirty="0" err="1"/>
-              <a:t>signals</a:t>
-            </a:r>
-            <a:r>
-              <a:rPr lang="de-DE" dirty="0"/>
-              <a:t>, </a:t>
-            </a:r>
-            <a:r>
-              <a:rPr lang="de-DE" dirty="0" err="1"/>
-              <a:t>apply</a:t>
-            </a:r>
-            <a:r>
-              <a:rPr lang="de-DE" dirty="0"/>
-              <a:t> multivariate </a:t>
-            </a:r>
-            <a:r>
-              <a:rPr lang="de-DE" dirty="0" err="1"/>
-              <a:t>models</a:t>
-            </a:r>
-            <a:r>
-              <a:rPr lang="de-DE" dirty="0"/>
-              <a:t>, </a:t>
-            </a:r>
-            <a:r>
-              <a:rPr lang="de-DE" dirty="0" err="1"/>
-              <a:t>expand</a:t>
-            </a:r>
-            <a:r>
-              <a:rPr lang="de-DE" dirty="0"/>
-              <a:t> </a:t>
-            </a:r>
-            <a:r>
-              <a:rPr lang="de-DE" dirty="0" err="1"/>
-              <a:t>to</a:t>
-            </a:r>
-            <a:r>
-              <a:rPr lang="de-DE" dirty="0"/>
-              <a:t> global </a:t>
-            </a:r>
-            <a:r>
-              <a:rPr lang="de-DE" dirty="0" err="1"/>
-              <a:t>data</a:t>
-            </a:r>
-            <a:r>
-              <a:rPr lang="de-DE" dirty="0"/>
-              <a:t>.</a:t>
-            </a:r>
-          </a:p>
-          <a:p>
-            <a:endParaRPr lang="de-DE" dirty="0"/>
-          </a:p>
-          <a:p>
-            <a:pPr>
-              <a:buFont typeface="Arial" panose="020B0604020202020204" pitchFamily="34" charset="0"/>
-              <a:buChar char="•"/>
-            </a:pPr>
-            <a:endParaRPr lang="de-DE" dirty="0"/>
-          </a:p>
-        </p:txBody>
-      </p:sp>
-    </p:spTree>
-    <p:extLst>
-      <p:ext uri="{BB962C8B-B14F-4D97-AF65-F5344CB8AC3E}">
-        <p14:creationId xmlns:p14="http://schemas.microsoft.com/office/powerpoint/2010/main" val="3358587149"/>
       </p:ext>
     </p:extLst>
   </p:cSld>
